--- a/Seminar/Seminar.pptx
+++ b/Seminar/Seminar.pptx
@@ -5,17 +5,18 @@
     <p:sldMasterId id="2147483660" r:id="rId1"/>
   </p:sldMasterIdLst>
   <p:notesMasterIdLst>
-    <p:notesMasterId r:id="rId10"/>
+    <p:notesMasterId r:id="rId11"/>
   </p:notesMasterIdLst>
   <p:sldIdLst>
     <p:sldId id="257" r:id="rId2"/>
     <p:sldId id="261" r:id="rId3"/>
     <p:sldId id="262" r:id="rId4"/>
-    <p:sldId id="259" r:id="rId5"/>
-    <p:sldId id="260" r:id="rId6"/>
-    <p:sldId id="264" r:id="rId7"/>
-    <p:sldId id="263" r:id="rId8"/>
-    <p:sldId id="265" r:id="rId9"/>
+    <p:sldId id="266" r:id="rId5"/>
+    <p:sldId id="259" r:id="rId6"/>
+    <p:sldId id="260" r:id="rId7"/>
+    <p:sldId id="264" r:id="rId8"/>
+    <p:sldId id="263" r:id="rId9"/>
+    <p:sldId id="265" r:id="rId10"/>
   </p:sldIdLst>
   <p:sldSz cx="12192000" cy="6858000"/>
   <p:notesSz cx="6858000" cy="9144000"/>
@@ -245,7 +246,7 @@
           <a:p>
             <a:fld id="{17D25274-37D4-4A72-9B29-6574698FC8CA}" type="datetimeFigureOut">
               <a:rPr lang="en-IN" smtClean="0"/>
-              <a:t>27-03-2019</a:t>
+              <a:t>30-03-2019</a:t>
             </a:fld>
             <a:endParaRPr lang="en-IN"/>
           </a:p>
@@ -578,7 +579,7 @@
           <a:p>
             <a:fld id="{497F29A0-8788-45C0-A8F6-028E3BFFD069}" type="slidenum">
               <a:rPr lang="en-IN" smtClean="0"/>
-              <a:t>7</a:t>
+              <a:t>8</a:t>
             </a:fld>
             <a:endParaRPr lang="en-IN"/>
           </a:p>
@@ -4518,7 +4519,7 @@
           <a:p>
             <a:fld id="{CB9FA82F-D473-46A5-8BC7-A7942AEE8F3B}" type="datetime5">
               <a:rPr lang="en-US" smtClean="0"/>
-              <a:t>27-Mar-19</a:t>
+              <a:t>30-Mar-19</a:t>
             </a:fld>
             <a:endParaRPr lang="en-US"/>
           </a:p>
@@ -7082,7 +7083,7 @@
           <a:p>
             <a:fld id="{4B0B904D-AEBE-49C7-950D-3C17536E0839}" type="datetime5">
               <a:rPr lang="en-US" smtClean="0"/>
-              <a:t>27-Mar-19</a:t>
+              <a:t>30-Mar-19</a:t>
             </a:fld>
             <a:endParaRPr lang="en-US"/>
           </a:p>
@@ -7968,7 +7969,7 @@
           <a:p>
             <a:fld id="{6C5FB85D-438A-4D76-BCB7-AE9121A73C56}" type="datetime5">
               <a:rPr lang="en-US" smtClean="0"/>
-              <a:t>27-Mar-19</a:t>
+              <a:t>30-Mar-19</a:t>
             </a:fld>
             <a:endParaRPr lang="en-US"/>
           </a:p>
@@ -13509,7 +13510,7 @@
           <a:p>
             <a:fld id="{DCF45396-6524-45DB-A24F-B95E51A83297}" type="datetime5">
               <a:rPr lang="en-US" smtClean="0"/>
-              <a:t>27-Mar-19</a:t>
+              <a:t>30-Mar-19</a:t>
             </a:fld>
             <a:endParaRPr lang="en-US"/>
           </a:p>
@@ -14283,7 +14284,7 @@
           <a:p>
             <a:fld id="{CB9FA82F-D473-46A5-8BC7-A7942AEE8F3B}" type="datetime5">
               <a:rPr lang="en-US" smtClean="0"/>
-              <a:t>27-Mar-19</a:t>
+              <a:t>30-Mar-19</a:t>
             </a:fld>
             <a:endParaRPr lang="en-US" dirty="0"/>
           </a:p>
@@ -14528,7 +14529,7 @@
           <a:p>
             <a:fld id="{CB9FA82F-D473-46A5-8BC7-A7942AEE8F3B}" type="datetime5">
               <a:rPr lang="en-US" smtClean="0"/>
-              <a:t>27-Mar-19</a:t>
+              <a:t>30-Mar-19</a:t>
             </a:fld>
             <a:endParaRPr lang="en-US"/>
           </a:p>
@@ -14788,6 +14789,351 @@
           <p:cNvPr id="2" name="Title 1">
             <a:extLst>
               <a:ext uri="{FF2B5EF4-FFF2-40B4-BE49-F238E27FC236}">
+                <a16:creationId xmlns:a16="http://schemas.microsoft.com/office/drawing/2014/main" id="{66E1B813-A7B9-4066-8660-EBEC4EB038B8}"/>
+              </a:ext>
+            </a:extLst>
+          </p:cNvPr>
+          <p:cNvSpPr>
+            <a:spLocks noGrp="1"/>
+          </p:cNvSpPr>
+          <p:nvPr>
+            <p:ph type="title"/>
+          </p:nvPr>
+        </p:nvSpPr>
+        <p:spPr/>
+        <p:txBody>
+          <a:bodyPr/>
+          <a:lstStyle/>
+          <a:p>
+            <a:r>
+              <a:rPr lang="en-IN" dirty="0"/>
+              <a:t>Indented Lists – Depth First Search Algorithm</a:t>
+            </a:r>
+          </a:p>
+        </p:txBody>
+      </p:sp>
+      <p:sp>
+        <p:nvSpPr>
+          <p:cNvPr id="4" name="Date Placeholder 3">
+            <a:extLst>
+              <a:ext uri="{FF2B5EF4-FFF2-40B4-BE49-F238E27FC236}">
+                <a16:creationId xmlns:a16="http://schemas.microsoft.com/office/drawing/2014/main" id="{96BADB46-D91F-468C-B88D-1A623F70383E}"/>
+              </a:ext>
+            </a:extLst>
+          </p:cNvPr>
+          <p:cNvSpPr>
+            <a:spLocks noGrp="1"/>
+          </p:cNvSpPr>
+          <p:nvPr>
+            <p:ph type="dt" sz="half" idx="10"/>
+          </p:nvPr>
+        </p:nvSpPr>
+        <p:spPr/>
+        <p:txBody>
+          <a:bodyPr/>
+          <a:lstStyle/>
+          <a:p>
+            <a:fld id="{CB9FA82F-D473-46A5-8BC7-A7942AEE8F3B}" type="datetime5">
+              <a:rPr lang="en-US" smtClean="0"/>
+              <a:t>30-Mar-19</a:t>
+            </a:fld>
+            <a:endParaRPr lang="en-US"/>
+          </a:p>
+        </p:txBody>
+      </p:sp>
+      <p:sp>
+        <p:nvSpPr>
+          <p:cNvPr id="5" name="Footer Placeholder 4">
+            <a:extLst>
+              <a:ext uri="{FF2B5EF4-FFF2-40B4-BE49-F238E27FC236}">
+                <a16:creationId xmlns:a16="http://schemas.microsoft.com/office/drawing/2014/main" id="{EBBB4B79-410D-43A6-8CA6-27EBA4FF751D}"/>
+              </a:ext>
+            </a:extLst>
+          </p:cNvPr>
+          <p:cNvSpPr>
+            <a:spLocks noGrp="1"/>
+          </p:cNvSpPr>
+          <p:nvPr>
+            <p:ph type="ftr" sz="quarter" idx="11"/>
+          </p:nvPr>
+        </p:nvSpPr>
+        <p:spPr/>
+        <p:txBody>
+          <a:bodyPr/>
+          <a:lstStyle/>
+          <a:p>
+            <a:r>
+              <a:rPr lang="en-IN" dirty="0">
+                <a:hlinkClick r:id="rId2"/>
+              </a:rPr>
+              <a:t>Image: https://www.cs.cmu.edu/~adamchik/15-121/lectures/Trees/trees.html</a:t>
+            </a:r>
+            <a:endParaRPr lang="en-US" dirty="0"/>
+          </a:p>
+          <a:p>
+            <a:endParaRPr lang="en-US" dirty="0"/>
+          </a:p>
+        </p:txBody>
+      </p:sp>
+      <p:sp>
+        <p:nvSpPr>
+          <p:cNvPr id="6" name="Slide Number Placeholder 5">
+            <a:extLst>
+              <a:ext uri="{FF2B5EF4-FFF2-40B4-BE49-F238E27FC236}">
+                <a16:creationId xmlns:a16="http://schemas.microsoft.com/office/drawing/2014/main" id="{AA5CCB8D-E954-40D9-8E1F-5F6D2C3D2006}"/>
+              </a:ext>
+            </a:extLst>
+          </p:cNvPr>
+          <p:cNvSpPr>
+            <a:spLocks noGrp="1"/>
+          </p:cNvSpPr>
+          <p:nvPr>
+            <p:ph type="sldNum" sz="quarter" idx="12"/>
+          </p:nvPr>
+        </p:nvSpPr>
+        <p:spPr/>
+        <p:txBody>
+          <a:bodyPr/>
+          <a:lstStyle/>
+          <a:p>
+            <a:fld id="{9EFCAA85-8796-4B17-9CA3-4CB18724EF60}" type="slidenum">
+              <a:rPr lang="en-US" smtClean="0"/>
+              <a:t>4</a:t>
+            </a:fld>
+            <a:endParaRPr lang="en-US"/>
+          </a:p>
+        </p:txBody>
+      </p:sp>
+      <p:pic>
+        <p:nvPicPr>
+          <p:cNvPr id="7" name="Picture 6">
+            <a:extLst>
+              <a:ext uri="{FF2B5EF4-FFF2-40B4-BE49-F238E27FC236}">
+                <a16:creationId xmlns:a16="http://schemas.microsoft.com/office/drawing/2014/main" id="{8B7D5BD4-DE10-4318-BD84-E29C0B331596}"/>
+              </a:ext>
+            </a:extLst>
+          </p:cNvPr>
+          <p:cNvPicPr>
+            <a:picLocks noChangeAspect="1"/>
+          </p:cNvPicPr>
+          <p:nvPr/>
+        </p:nvPicPr>
+        <p:blipFill>
+          <a:blip r:embed="rId3"/>
+          <a:stretch>
+            <a:fillRect/>
+          </a:stretch>
+        </p:blipFill>
+        <p:spPr>
+          <a:xfrm>
+            <a:off x="1114425" y="1988171"/>
+            <a:ext cx="4981575" cy="3371850"/>
+          </a:xfrm>
+          <a:prstGeom prst="rect">
+            <a:avLst/>
+          </a:prstGeom>
+        </p:spPr>
+      </p:pic>
+      <p:sp>
+        <p:nvSpPr>
+          <p:cNvPr id="8" name="TextBox 7">
+            <a:extLst>
+              <a:ext uri="{FF2B5EF4-FFF2-40B4-BE49-F238E27FC236}">
+                <a16:creationId xmlns:a16="http://schemas.microsoft.com/office/drawing/2014/main" id="{13890E15-6A7A-433E-948F-98E002F1339C}"/>
+              </a:ext>
+            </a:extLst>
+          </p:cNvPr>
+          <p:cNvSpPr txBox="1"/>
+          <p:nvPr/>
+        </p:nvSpPr>
+        <p:spPr>
+          <a:xfrm>
+            <a:off x="6891087" y="1988171"/>
+            <a:ext cx="3257623" cy="3539430"/>
+          </a:xfrm>
+          <a:prstGeom prst="rect">
+            <a:avLst/>
+          </a:prstGeom>
+          <a:noFill/>
+        </p:spPr>
+        <p:txBody>
+          <a:bodyPr wrap="none" rtlCol="0">
+            <a:spAutoFit/>
+          </a:bodyPr>
+          <a:lstStyle/>
+          <a:p>
+            <a:pPr marL="285750" indent="-285750">
+              <a:buFont typeface="Arial" panose="020B0604020202020204" pitchFamily="34" charset="0"/>
+              <a:buChar char="•"/>
+            </a:pPr>
+            <a:r>
+              <a:rPr lang="en-IN" sz="2800" dirty="0">
+                <a:solidFill>
+                  <a:schemeClr val="accent3">
+                    <a:lumMod val="50000"/>
+                  </a:schemeClr>
+                </a:solidFill>
+                <a:latin typeface="Algerian" panose="020B0604020202020204" pitchFamily="82" charset="0"/>
+              </a:rPr>
+              <a:t>Node 8</a:t>
+            </a:r>
+          </a:p>
+          <a:p>
+            <a:pPr marL="742950" lvl="1" indent="-285750">
+              <a:buFont typeface="Arial" panose="020B0604020202020204" pitchFamily="34" charset="0"/>
+              <a:buChar char="•"/>
+            </a:pPr>
+            <a:r>
+              <a:rPr lang="en-IN" sz="2800" dirty="0">
+                <a:solidFill>
+                  <a:schemeClr val="accent3">
+                    <a:lumMod val="50000"/>
+                  </a:schemeClr>
+                </a:solidFill>
+                <a:latin typeface="Algerian" panose="020B0604020202020204" pitchFamily="82" charset="0"/>
+              </a:rPr>
+              <a:t>Node 3</a:t>
+            </a:r>
+          </a:p>
+          <a:p>
+            <a:pPr marL="1200150" lvl="2" indent="-285750">
+              <a:buFont typeface="Arial" panose="020B0604020202020204" pitchFamily="34" charset="0"/>
+              <a:buChar char="•"/>
+            </a:pPr>
+            <a:r>
+              <a:rPr lang="en-IN" sz="2800" dirty="0">
+                <a:solidFill>
+                  <a:schemeClr val="accent3">
+                    <a:lumMod val="50000"/>
+                  </a:schemeClr>
+                </a:solidFill>
+                <a:latin typeface="Algerian" panose="020B0604020202020204" pitchFamily="82" charset="0"/>
+              </a:rPr>
+              <a:t>Node1</a:t>
+            </a:r>
+          </a:p>
+          <a:p>
+            <a:pPr marL="1200150" lvl="2" indent="-285750">
+              <a:buFont typeface="Arial" panose="020B0604020202020204" pitchFamily="34" charset="0"/>
+              <a:buChar char="•"/>
+            </a:pPr>
+            <a:r>
+              <a:rPr lang="en-IN" sz="2800" dirty="0">
+                <a:solidFill>
+                  <a:schemeClr val="accent3">
+                    <a:lumMod val="50000"/>
+                  </a:schemeClr>
+                </a:solidFill>
+                <a:latin typeface="Algerian" panose="020B0604020202020204" pitchFamily="82" charset="0"/>
+              </a:rPr>
+              <a:t>Node 5</a:t>
+            </a:r>
+          </a:p>
+          <a:p>
+            <a:pPr marL="1657350" lvl="3" indent="-285750">
+              <a:buFont typeface="Arial" panose="020B0604020202020204" pitchFamily="34" charset="0"/>
+              <a:buChar char="•"/>
+            </a:pPr>
+            <a:r>
+              <a:rPr lang="en-IN" sz="2800" dirty="0">
+                <a:solidFill>
+                  <a:schemeClr val="accent3">
+                    <a:lumMod val="50000"/>
+                  </a:schemeClr>
+                </a:solidFill>
+                <a:latin typeface="Algerian" panose="020B0604020202020204" pitchFamily="82" charset="0"/>
+              </a:rPr>
+              <a:t>Node 4</a:t>
+            </a:r>
+          </a:p>
+          <a:p>
+            <a:pPr marL="742950" lvl="1" indent="-285750">
+              <a:buFont typeface="Arial" panose="020B0604020202020204" pitchFamily="34" charset="0"/>
+              <a:buChar char="•"/>
+            </a:pPr>
+            <a:r>
+              <a:rPr lang="en-IN" sz="2800" dirty="0">
+                <a:solidFill>
+                  <a:schemeClr val="accent3">
+                    <a:lumMod val="50000"/>
+                  </a:schemeClr>
+                </a:solidFill>
+                <a:latin typeface="Algerian" panose="020B0604020202020204" pitchFamily="82" charset="0"/>
+              </a:rPr>
+              <a:t>Node 9 </a:t>
+            </a:r>
+          </a:p>
+          <a:p>
+            <a:pPr marL="1200150" lvl="2" indent="-285750">
+              <a:buFont typeface="Arial" panose="020B0604020202020204" pitchFamily="34" charset="0"/>
+              <a:buChar char="•"/>
+            </a:pPr>
+            <a:r>
+              <a:rPr lang="en-IN" sz="2800" dirty="0">
+                <a:solidFill>
+                  <a:schemeClr val="accent3">
+                    <a:lumMod val="50000"/>
+                  </a:schemeClr>
+                </a:solidFill>
+                <a:latin typeface="Algerian" panose="020B0604020202020204" pitchFamily="82" charset="0"/>
+              </a:rPr>
+              <a:t>Node 12</a:t>
+            </a:r>
+          </a:p>
+          <a:p>
+            <a:pPr marL="1657350" lvl="3" indent="-285750">
+              <a:buFont typeface="Arial" panose="020B0604020202020204" pitchFamily="34" charset="0"/>
+              <a:buChar char="•"/>
+            </a:pPr>
+            <a:r>
+              <a:rPr lang="en-IN" sz="2800" dirty="0">
+                <a:solidFill>
+                  <a:schemeClr val="accent3">
+                    <a:lumMod val="50000"/>
+                  </a:schemeClr>
+                </a:solidFill>
+                <a:latin typeface="Algerian" panose="020B0604020202020204" pitchFamily="82" charset="0"/>
+              </a:rPr>
+              <a:t>Node 11</a:t>
+            </a:r>
+          </a:p>
+        </p:txBody>
+      </p:sp>
+    </p:spTree>
+    <p:extLst>
+      <p:ext uri="{BB962C8B-B14F-4D97-AF65-F5344CB8AC3E}">
+        <p14:creationId xmlns:p14="http://schemas.microsoft.com/office/powerpoint/2010/main" val="143816626"/>
+      </p:ext>
+    </p:extLst>
+  </p:cSld>
+  <p:clrMapOvr>
+    <a:masterClrMapping/>
+  </p:clrMapOvr>
+</p:sld>
+</file>
+
+<file path=ppt/slides/slide5.xml><?xml version="1.0" encoding="utf-8"?>
+<p:sld xmlns:a="http://schemas.openxmlformats.org/drawingml/2006/main" xmlns:r="http://schemas.openxmlformats.org/officeDocument/2006/relationships" xmlns:p="http://schemas.openxmlformats.org/presentationml/2006/main">
+  <p:cSld>
+    <p:spTree>
+      <p:nvGrpSpPr>
+        <p:cNvPr id="1" name=""/>
+        <p:cNvGrpSpPr/>
+        <p:nvPr/>
+      </p:nvGrpSpPr>
+      <p:grpSpPr>
+        <a:xfrm>
+          <a:off x="0" y="0"/>
+          <a:ext cx="0" cy="0"/>
+          <a:chOff x="0" y="0"/>
+          <a:chExt cx="0" cy="0"/>
+        </a:xfrm>
+      </p:grpSpPr>
+      <p:sp>
+        <p:nvSpPr>
+          <p:cNvPr id="2" name="Title 1">
+            <a:extLst>
+              <a:ext uri="{FF2B5EF4-FFF2-40B4-BE49-F238E27FC236}">
                 <a16:creationId xmlns:a16="http://schemas.microsoft.com/office/drawing/2014/main" id="{546AB256-FEC7-4B8E-A0CB-6E9D7B9A34F2}"/>
               </a:ext>
             </a:extLst>
@@ -14839,7 +15185,7 @@
           <a:p>
             <a:fld id="{CB9FA82F-D473-46A5-8BC7-A7942AEE8F3B}" type="datetime5">
               <a:rPr lang="en-US" smtClean="0"/>
-              <a:t>27-Mar-19</a:t>
+              <a:t>30-Mar-19</a:t>
             </a:fld>
             <a:endParaRPr lang="en-US" dirty="0"/>
           </a:p>
@@ -14934,7 +15280,7 @@
           <a:p>
             <a:fld id="{9EFCAA85-8796-4B17-9CA3-4CB18724EF60}" type="slidenum">
               <a:rPr lang="en-US" smtClean="0"/>
-              <a:t>4</a:t>
+              <a:t>5</a:t>
             </a:fld>
             <a:endParaRPr lang="en-US"/>
           </a:p>
@@ -15165,7 +15511,7 @@
 </p:sld>
 </file>
 
-<file path=ppt/slides/slide5.xml><?xml version="1.0" encoding="utf-8"?>
+<file path=ppt/slides/slide6.xml><?xml version="1.0" encoding="utf-8"?>
 <p:sld xmlns:a="http://schemas.openxmlformats.org/drawingml/2006/main" xmlns:r="http://schemas.openxmlformats.org/officeDocument/2006/relationships" xmlns:p="http://schemas.openxmlformats.org/presentationml/2006/main">
   <p:cSld>
     <p:spTree>
@@ -15306,7 +15652,7 @@
           <a:p>
             <a:fld id="{CB9FA82F-D473-46A5-8BC7-A7942AEE8F3B}" type="datetime5">
               <a:rPr lang="en-US" smtClean="0"/>
-              <a:t>27-Mar-19</a:t>
+              <a:t>30-Mar-19</a:t>
             </a:fld>
             <a:endParaRPr lang="en-US"/>
           </a:p>
@@ -15366,7 +15712,7 @@
           <a:p>
             <a:fld id="{9EFCAA85-8796-4B17-9CA3-4CB18724EF60}" type="slidenum">
               <a:rPr lang="en-US" smtClean="0"/>
-              <a:t>5</a:t>
+              <a:t>6</a:t>
             </a:fld>
             <a:endParaRPr lang="en-US"/>
           </a:p>
@@ -15449,7 +15795,7 @@
 </p:sld>
 </file>
 
-<file path=ppt/slides/slide6.xml><?xml version="1.0" encoding="utf-8"?>
+<file path=ppt/slides/slide7.xml><?xml version="1.0" encoding="utf-8"?>
 <p:sld xmlns:a="http://schemas.openxmlformats.org/drawingml/2006/main" xmlns:r="http://schemas.openxmlformats.org/officeDocument/2006/relationships" xmlns:p="http://schemas.openxmlformats.org/presentationml/2006/main">
   <p:cSld>
     <p:spTree>
@@ -15488,7 +15834,7 @@
         </p:blipFill>
         <p:spPr>
           <a:xfrm>
-            <a:off x="997893" y="1573639"/>
+            <a:off x="6983914" y="1507651"/>
             <a:ext cx="5098107" cy="4418360"/>
           </a:xfrm>
           <a:prstGeom prst="rect">
@@ -15547,7 +15893,7 @@
           <a:p>
             <a:fld id="{CB9FA82F-D473-46A5-8BC7-A7942AEE8F3B}" type="datetime5">
               <a:rPr lang="en-US" smtClean="0"/>
-              <a:t>27-Mar-19</a:t>
+              <a:t>30-Mar-19</a:t>
             </a:fld>
             <a:endParaRPr lang="en-US"/>
           </a:p>
@@ -15612,42 +15958,95 @@
           <a:p>
             <a:fld id="{9EFCAA85-8796-4B17-9CA3-4CB18724EF60}" type="slidenum">
               <a:rPr lang="en-US" smtClean="0"/>
-              <a:t>6</a:t>
+              <a:t>7</a:t>
             </a:fld>
             <a:endParaRPr lang="en-US"/>
           </a:p>
         </p:txBody>
       </p:sp>
-      <p:pic>
-        <p:nvPicPr>
-          <p:cNvPr id="8" name="Picture 7">
+      <p:sp>
+        <p:nvSpPr>
+          <p:cNvPr id="3" name="TextBox 2">
             <a:extLst>
               <a:ext uri="{FF2B5EF4-FFF2-40B4-BE49-F238E27FC236}">
-                <a16:creationId xmlns:a16="http://schemas.microsoft.com/office/drawing/2014/main" id="{FFA8AD96-A3B4-4EA4-80E6-EE97DDE343C1}"/>
+                <a16:creationId xmlns:a16="http://schemas.microsoft.com/office/drawing/2014/main" id="{5AA36E4E-C1A2-4E15-9DF4-EA332B031B60}"/>
               </a:ext>
             </a:extLst>
           </p:cNvPr>
-          <p:cNvPicPr>
-            <a:picLocks noChangeAspect="1"/>
-          </p:cNvPicPr>
+          <p:cNvSpPr txBox="1"/>
           <p:nvPr/>
-        </p:nvPicPr>
-        <p:blipFill>
-          <a:blip r:embed="rId3"/>
-          <a:stretch>
-            <a:fillRect/>
-          </a:stretch>
-        </p:blipFill>
+        </p:nvSpPr>
         <p:spPr>
           <a:xfrm>
-            <a:off x="6382511" y="1383776"/>
-            <a:ext cx="4684778" cy="4427544"/>
+            <a:off x="245098" y="1962505"/>
+            <a:ext cx="6495067" cy="3539430"/>
           </a:xfrm>
           <a:prstGeom prst="rect">
             <a:avLst/>
           </a:prstGeom>
+          <a:noFill/>
         </p:spPr>
-      </p:pic>
+        <p:txBody>
+          <a:bodyPr wrap="square" rtlCol="0">
+            <a:spAutoFit/>
+          </a:bodyPr>
+          <a:lstStyle/>
+          <a:p>
+            <a:pPr marL="285750" indent="-285750">
+              <a:buFont typeface="Arial" panose="020B0604020202020204" pitchFamily="34" charset="0"/>
+              <a:buChar char="•"/>
+            </a:pPr>
+            <a:r>
+              <a:rPr lang="en-IN" sz="2800" dirty="0">
+                <a:solidFill>
+                  <a:srgbClr val="FF0000"/>
+                </a:solidFill>
+              </a:rPr>
+              <a:t>Aesthetic 1 </a:t>
+            </a:r>
+            <a:r>
+              <a:rPr lang="en-IN" sz="2800" dirty="0"/>
+              <a:t>– Nodes at the same level should lie along a straight line</a:t>
+            </a:r>
+          </a:p>
+          <a:p>
+            <a:pPr marL="285750" indent="-285750">
+              <a:buFont typeface="Arial" panose="020B0604020202020204" pitchFamily="34" charset="0"/>
+              <a:buChar char="•"/>
+            </a:pPr>
+            <a:r>
+              <a:rPr lang="en-IN" sz="2800" dirty="0">
+                <a:solidFill>
+                  <a:srgbClr val="FF0000"/>
+                </a:solidFill>
+              </a:rPr>
+              <a:t>Aesthetic 2 </a:t>
+            </a:r>
+            <a:r>
+              <a:rPr lang="en-IN" sz="2800" dirty="0"/>
+              <a:t>– If there is left and right child semantics, then left child should be positioned to the left of its parent and a right child to the right</a:t>
+            </a:r>
+          </a:p>
+          <a:p>
+            <a:pPr marL="285750" indent="-285750">
+              <a:buFont typeface="Arial" panose="020B0604020202020204" pitchFamily="34" charset="0"/>
+              <a:buChar char="•"/>
+            </a:pPr>
+            <a:r>
+              <a:rPr lang="en-IN" sz="2800" dirty="0">
+                <a:solidFill>
+                  <a:srgbClr val="FF0000"/>
+                </a:solidFill>
+              </a:rPr>
+              <a:t>Aesthetic 3 </a:t>
+            </a:r>
+            <a:r>
+              <a:rPr lang="en-IN" sz="2800" dirty="0"/>
+              <a:t>– A parent node should be centered over its children</a:t>
+            </a:r>
+          </a:p>
+        </p:txBody>
+      </p:sp>
     </p:spTree>
     <p:extLst>
       <p:ext uri="{BB962C8B-B14F-4D97-AF65-F5344CB8AC3E}">
@@ -15661,9 +16060,17 @@
 </p:sld>
 </file>
 
-<file path=ppt/slides/slide7.xml><?xml version="1.0" encoding="utf-8"?>
+<file path=ppt/slides/slide8.xml><?xml version="1.0" encoding="utf-8"?>
 <p:sld xmlns:a="http://schemas.openxmlformats.org/drawingml/2006/main" xmlns:r="http://schemas.openxmlformats.org/officeDocument/2006/relationships" xmlns:p="http://schemas.openxmlformats.org/presentationml/2006/main">
   <p:cSld>
+    <p:bg>
+      <p:bgPr>
+        <a:solidFill>
+          <a:schemeClr val="bg1"/>
+        </a:solidFill>
+        <a:effectLst/>
+      </p:bgPr>
+    </p:bg>
     <p:spTree>
       <p:nvGrpSpPr>
         <p:cNvPr id="1" name=""/>
@@ -15729,7 +16136,7 @@
           <a:p>
             <a:fld id="{CB9FA82F-D473-46A5-8BC7-A7942AEE8F3B}" type="datetime5">
               <a:rPr lang="en-US" smtClean="0"/>
-              <a:t>27-Mar-19</a:t>
+              <a:t>30-Mar-19</a:t>
             </a:fld>
             <a:endParaRPr lang="en-US"/>
           </a:p>
@@ -15811,7 +16218,7 @@
           <a:p>
             <a:fld id="{9EFCAA85-8796-4B17-9CA3-4CB18724EF60}" type="slidenum">
               <a:rPr lang="en-US" smtClean="0"/>
-              <a:t>7</a:t>
+              <a:t>8</a:t>
             </a:fld>
             <a:endParaRPr lang="en-US"/>
           </a:p>
@@ -15835,7 +16242,23 @@
         </p:nvPicPr>
         <p:blipFill>
           <a:blip r:embed="rId5">
+            <a:duotone>
+              <a:prstClr val="black"/>
+              <a:srgbClr val="D9C3A5">
+                <a:tint val="50000"/>
+                <a:satMod val="180000"/>
+              </a:srgbClr>
+            </a:duotone>
             <a:extLst>
+              <a:ext uri="{BEBA8EAE-BF5A-486C-A8C5-ECC9F3942E4B}">
+                <a14:imgProps xmlns:a14="http://schemas.microsoft.com/office/drawing/2010/main">
+                  <a14:imgLayer r:embed="rId6">
+                    <a14:imgEffect>
+                      <a14:saturation sat="0"/>
+                    </a14:imgEffect>
+                  </a14:imgLayer>
+                </a14:imgProps>
+              </a:ext>
               <a:ext uri="{28A0092B-C50C-407E-A947-70E740481C1C}">
                 <a14:useLocalDpi xmlns:a14="http://schemas.microsoft.com/office/drawing/2010/main" val="0"/>
               </a:ext>
@@ -15881,7 +16304,14 @@
           <p:nvPr/>
         </p:nvPicPr>
         <p:blipFill>
-          <a:blip r:embed="rId6">
+          <a:blip r:embed="rId7">
+            <a:duotone>
+              <a:prstClr val="black"/>
+              <a:schemeClr val="accent3">
+                <a:tint val="45000"/>
+                <a:satMod val="400000"/>
+              </a:schemeClr>
+            </a:duotone>
             <a:extLst>
               <a:ext uri="{28A0092B-C50C-407E-A947-70E740481C1C}">
                 <a14:useLocalDpi xmlns:a14="http://schemas.microsoft.com/office/drawing/2010/main" val="0"/>
@@ -15994,7 +16424,7 @@
 </p:sld>
 </file>
 
-<file path=ppt/slides/slide8.xml><?xml version="1.0" encoding="utf-8"?>
+<file path=ppt/slides/slide9.xml><?xml version="1.0" encoding="utf-8"?>
 <p:sld xmlns:a="http://schemas.openxmlformats.org/drawingml/2006/main" xmlns:r="http://schemas.openxmlformats.org/officeDocument/2006/relationships" xmlns:p="http://schemas.openxmlformats.org/presentationml/2006/main">
   <p:cSld>
     <p:spTree>
@@ -16067,7 +16497,7 @@
           <a:p>
             <a:fld id="{CB9FA82F-D473-46A5-8BC7-A7942AEE8F3B}" type="datetime5">
               <a:rPr lang="en-US" smtClean="0"/>
-              <a:t>28-Mar-19</a:t>
+              <a:t>30-Mar-19</a:t>
             </a:fld>
             <a:endParaRPr lang="en-US"/>
           </a:p>
@@ -16144,7 +16574,7 @@
           <a:p>
             <a:fld id="{9EFCAA85-8796-4B17-9CA3-4CB18724EF60}" type="slidenum">
               <a:rPr lang="en-US" smtClean="0"/>
-              <a:t>8</a:t>
+              <a:t>9</a:t>
             </a:fld>
             <a:endParaRPr lang="en-US"/>
           </a:p>
